--- a/WaterQualityPrediction-AICTE-Skills4Future.pptx
+++ b/WaterQualityPrediction-AICTE-Skills4Future.pptx
@@ -270,7 +270,7 @@
       </p15:sldGuideLst>
     </p:ext>
     <p:ext uri="http://customooxmlschemas.google.com/">
-      <go:slidesCustomData xmlns:mc="http://schemas.openxmlformats.org/markup-compatibility/2006" xmlns:mv="urn:schemas-microsoft-com:mac:vml" xmlns:c="http://schemas.openxmlformats.org/drawingml/2006/chart" xmlns:dgm="http://schemas.openxmlformats.org/drawingml/2006/diagram" xmlns:o="urn:schemas-microsoft-com:office:office" xmlns:v="urn:schemas-microsoft-com:vml" xmlns:pvml="urn:schemas-microsoft-com:office:powerpoint" xmlns:com="http://schemas.openxmlformats.org/drawingml/2006/compatibility" xmlns:p14="http://schemas.microsoft.com/office/powerpoint/2010/main" xmlns:p15="http://schemas.microsoft.com/office/powerpoint/2012/main" xmlns:go="http://customooxmlschemas.google.com/" xmlns="" r:id="rId220" roundtripDataSignature="AMtx7miWNY2LB4ETJwrL8F0N+EK9hEhqUQ=="/>
+      <go:slidesCustomData xmlns="" xmlns:go="http://customooxmlschemas.google.com/" xmlns:p15="http://schemas.microsoft.com/office/powerpoint/2012/main" xmlns:p14="http://schemas.microsoft.com/office/powerpoint/2010/main" xmlns:com="http://schemas.openxmlformats.org/drawingml/2006/compatibility" xmlns:pvml="urn:schemas-microsoft-com:office:powerpoint" xmlns:v="urn:schemas-microsoft-com:vml" xmlns:o="urn:schemas-microsoft-com:office:office" xmlns:dgm="http://schemas.openxmlformats.org/drawingml/2006/diagram" xmlns:c="http://schemas.openxmlformats.org/drawingml/2006/chart" xmlns:mv="urn:schemas-microsoft-com:mac:vml" xmlns:mc="http://schemas.openxmlformats.org/markup-compatibility/2006" r:id="rId220" roundtripDataSignature="AMtx7miWNY2LB4ETJwrL8F0N+EK9hEhqUQ=="/>
     </p:ext>
   </p:extLst>
 </p:presentation>
@@ -1865,7 +1865,7 @@
           <a:lstStyle/>
           <a:p>
             <a:r>
-              <a:rPr lang="en-IN" sz="4400" dirty="0">
+              <a:rPr lang="en-IN" sz="4400" b="1" dirty="0">
                 <a:solidFill>
                   <a:srgbClr val="0070C0"/>
                 </a:solidFill>
@@ -1889,8 +1889,8 @@
         </p:nvSpPr>
         <p:spPr>
           <a:xfrm>
-            <a:off x="777478" y="2499300"/>
-            <a:ext cx="10637044" cy="2554545"/>
+            <a:off x="572204" y="1892810"/>
+            <a:ext cx="10637044" cy="3970318"/>
           </a:xfrm>
           <a:prstGeom prst="rect">
             <a:avLst/>
@@ -1904,14 +1904,28 @@
           <a:lstStyle/>
           <a:p>
             <a:r>
-              <a:rPr lang="en-US" sz="4000" dirty="0"/>
-              <a:t>• The model successfully predicts pollutant levels like O2, NO3, NO2, SO4, PO4, and CL.</a:t>
-            </a:r>
-          </a:p>
-          <a:p>
-            <a:r>
-              <a:rPr lang="en-US" sz="4000" dirty="0"/>
-              <a:t>• Predictions vary by station and year, aiding environmental monitoring.</a:t>
+              <a:rPr lang="en-US" sz="3600" dirty="0"/>
+              <a:t>•   The model successfully predicts pollutant levels like O2, NO3, NO2, SO4, PO4, and CL.</a:t>
+            </a:r>
+          </a:p>
+          <a:p>
+            <a:r>
+              <a:rPr lang="en-US" sz="3600" dirty="0"/>
+              <a:t>•   Predictions vary by station and year, aiding environmental monitoring.</a:t>
+            </a:r>
+          </a:p>
+          <a:p>
+            <a:pPr marL="571500" indent="-571500">
+              <a:buFont typeface="Arial" panose="020B0604020202020204" pitchFamily="34" charset="0"/>
+              <a:buChar char="•"/>
+            </a:pPr>
+            <a:r>
+              <a:rPr lang="en-US" sz="3600" b="1" dirty="0"/>
+              <a:t>GitHub Repository Link: </a:t>
+            </a:r>
+            <a:r>
+              <a:rPr lang="en-US" sz="3600" dirty="0"/>
+              <a:t>https://github.com/Rachi-collab/AICTE_Internship_Week2.git</a:t>
             </a:r>
           </a:p>
         </p:txBody>
@@ -3115,7 +3129,7 @@
         <p:spPr>
           <a:xfrm>
             <a:off x="992981" y="953172"/>
-            <a:ext cx="6100762" cy="646331"/>
+            <a:ext cx="6100762" cy="707886"/>
           </a:xfrm>
           <a:prstGeom prst="rect">
             <a:avLst/>
@@ -3129,7 +3143,7 @@
           <a:lstStyle/>
           <a:p>
             <a:r>
-              <a:rPr lang="en-IN" sz="3600" dirty="0">
+              <a:rPr lang="en-IN" sz="4000" b="1" dirty="0">
                 <a:solidFill>
                   <a:srgbClr val="0070C0"/>
                 </a:solidFill>
@@ -3224,8 +3238,8 @@
         </p:nvSpPr>
         <p:spPr>
           <a:xfrm>
-            <a:off x="255104" y="1054412"/>
-            <a:ext cx="6102626" cy="400110"/>
+            <a:off x="468314" y="808191"/>
+            <a:ext cx="6102626" cy="646331"/>
           </a:xfrm>
           <a:prstGeom prst="rect">
             <a:avLst/>
@@ -3239,12 +3253,20 @@
           <a:lstStyle/>
           <a:p>
             <a:r>
+              <a:rPr lang="en-US" sz="3600" b="1" dirty="0">
+                <a:solidFill>
+                  <a:srgbClr val="213163"/>
+                </a:solidFill>
+              </a:rPr>
+              <a:t>Solution</a:t>
+            </a:r>
+            <a:r>
               <a:rPr lang="en-US" sz="2000" b="1" dirty="0">
                 <a:solidFill>
                   <a:srgbClr val="213163"/>
                 </a:solidFill>
               </a:rPr>
-              <a:t>Solution:  </a:t>
+              <a:t>:  </a:t>
             </a:r>
             <a:endParaRPr lang="en-IN" sz="2000" b="1" dirty="0">
               <a:solidFill>
